--- a/Lectures/22_t.pptx
+++ b/Lectures/22_t.pptx
@@ -24,9 +24,10 @@
     <p:sldId id="274" r:id="rId21"/>
     <p:sldId id="276" r:id="rId22"/>
     <p:sldId id="278" r:id="rId23"/>
-    <p:sldId id="279" r:id="rId24"/>
-    <p:sldId id="269" r:id="rId25"/>
-    <p:sldId id="275" r:id="rId26"/>
+    <p:sldId id="280" r:id="rId24"/>
+    <p:sldId id="279" r:id="rId25"/>
+    <p:sldId id="269" r:id="rId26"/>
+    <p:sldId id="275" r:id="rId27"/>
   </p:sldIdLst>
   <p:sldSz cx="9144000" cy="6858000" type="screen4x3"/>
   <p:notesSz cx="6858000" cy="9144000"/>
@@ -310,7 +311,7 @@
             <a:fld id="{8ACDB3CC-F982-40F9-8DD6-BCC9AFBF44BD}" type="datetime1">
               <a:rPr lang="en-US" smtClean="0"/>
               <a:pPr/>
-              <a:t>10/3/16</a:t>
+              <a:t>4/11/18</a:t>
             </a:fld>
             <a:endParaRPr lang="en-US" dirty="0"/>
           </a:p>
@@ -480,7 +481,7 @@
           <a:p>
             <a:fld id="{68C2560D-EC28-3B41-86E8-18F1CE0113B4}" type="datetimeFigureOut">
               <a:rPr lang="en-US" smtClean="0"/>
-              <a:t>10/3/16</a:t>
+              <a:t>4/11/18</a:t>
             </a:fld>
             <a:endParaRPr lang="en-US"/>
           </a:p>
@@ -660,7 +661,7 @@
           <a:p>
             <a:fld id="{68C2560D-EC28-3B41-86E8-18F1CE0113B4}" type="datetimeFigureOut">
               <a:rPr lang="en-US" smtClean="0"/>
-              <a:t>10/3/16</a:t>
+              <a:t>4/11/18</a:t>
             </a:fld>
             <a:endParaRPr lang="en-US"/>
           </a:p>
@@ -830,7 +831,7 @@
           <a:p>
             <a:fld id="{68C2560D-EC28-3B41-86E8-18F1CE0113B4}" type="datetimeFigureOut">
               <a:rPr lang="en-US" smtClean="0"/>
-              <a:t>10/3/16</a:t>
+              <a:t>4/11/18</a:t>
             </a:fld>
             <a:endParaRPr lang="en-US"/>
           </a:p>
@@ -1077,7 +1078,7 @@
             <a:fld id="{4A9E7B99-7C3F-4BC3-B7B8-7E1F8C620B24}" type="datetime1">
               <a:rPr lang="en-US" smtClean="0"/>
               <a:pPr/>
-              <a:t>10/3/16</a:t>
+              <a:t>4/11/18</a:t>
             </a:fld>
             <a:endParaRPr lang="en-US"/>
           </a:p>
@@ -1366,7 +1367,7 @@
           <a:p>
             <a:fld id="{68C2560D-EC28-3B41-86E8-18F1CE0113B4}" type="datetimeFigureOut">
               <a:rPr lang="en-US" smtClean="0"/>
-              <a:t>10/3/16</a:t>
+              <a:t>4/11/18</a:t>
             </a:fld>
             <a:endParaRPr lang="en-US"/>
           </a:p>
@@ -1788,7 +1789,7 @@
           <a:p>
             <a:fld id="{68C2560D-EC28-3B41-86E8-18F1CE0113B4}" type="datetimeFigureOut">
               <a:rPr lang="en-US" smtClean="0"/>
-              <a:t>10/3/16</a:t>
+              <a:t>4/11/18</a:t>
             </a:fld>
             <a:endParaRPr lang="en-US"/>
           </a:p>
@@ -1906,7 +1907,7 @@
           <a:p>
             <a:fld id="{68C2560D-EC28-3B41-86E8-18F1CE0113B4}" type="datetimeFigureOut">
               <a:rPr lang="en-US" smtClean="0"/>
-              <a:t>10/3/16</a:t>
+              <a:t>4/11/18</a:t>
             </a:fld>
             <a:endParaRPr lang="en-US"/>
           </a:p>
@@ -2001,7 +2002,7 @@
           <a:p>
             <a:fld id="{68C2560D-EC28-3B41-86E8-18F1CE0113B4}" type="datetimeFigureOut">
               <a:rPr lang="en-US" smtClean="0"/>
-              <a:t>10/3/16</a:t>
+              <a:t>4/11/18</a:t>
             </a:fld>
             <a:endParaRPr lang="en-US"/>
           </a:p>
@@ -2278,7 +2279,7 @@
           <a:p>
             <a:fld id="{68C2560D-EC28-3B41-86E8-18F1CE0113B4}" type="datetimeFigureOut">
               <a:rPr lang="en-US" smtClean="0"/>
-              <a:t>10/3/16</a:t>
+              <a:t>4/11/18</a:t>
             </a:fld>
             <a:endParaRPr lang="en-US"/>
           </a:p>
@@ -2538,7 +2539,7 @@
           <a:p>
             <a:fld id="{68C2560D-EC28-3B41-86E8-18F1CE0113B4}" type="datetimeFigureOut">
               <a:rPr lang="en-US" smtClean="0"/>
-              <a:t>10/3/16</a:t>
+              <a:t>4/11/18</a:t>
             </a:fld>
             <a:endParaRPr lang="en-US"/>
           </a:p>
@@ -2751,7 +2752,7 @@
           <a:p>
             <a:fld id="{68C2560D-EC28-3B41-86E8-18F1CE0113B4}" type="datetimeFigureOut">
               <a:rPr lang="en-US" smtClean="0"/>
-              <a:t>10/3/16</a:t>
+              <a:t>4/11/18</a:t>
             </a:fld>
             <a:endParaRPr lang="en-US"/>
           </a:p>
@@ -3270,7 +3271,7 @@
           <a:graphicData uri="http://schemas.openxmlformats.org/presentationml/2006/ole">
             <mc:AlternateContent xmlns:mc="http://schemas.openxmlformats.org/markup-compatibility/2006">
               <mc:Choice xmlns:v="urn:schemas-microsoft-com:vml" Requires="v">
-                <p:oleObj spid="_x0000_s2057" name="Equation" r:id="rId3" imgW="622300" imgH="419100" progId="Equation.3">
+                <p:oleObj spid="_x0000_s2059" name="Equation" r:id="rId3" imgW="622300" imgH="419100" progId="Equation.3">
                   <p:embed/>
                 </p:oleObj>
               </mc:Choice>
@@ -4458,7 +4459,7 @@
           <a:graphicData uri="http://schemas.openxmlformats.org/presentationml/2006/ole">
             <mc:AlternateContent xmlns:mc="http://schemas.openxmlformats.org/markup-compatibility/2006">
               <mc:Choice xmlns:v="urn:schemas-microsoft-com:vml" Requires="v">
-                <p:oleObj spid="_x0000_s4105" name="Equation" r:id="rId3" imgW="622300" imgH="419100" progId="Equation.3">
+                <p:oleObj spid="_x0000_s4107" name="Equation" r:id="rId3" imgW="622300" imgH="419100" progId="Equation.3">
                   <p:embed/>
                 </p:oleObj>
               </mc:Choice>
@@ -5314,13 +5315,13 @@
       </p:pic>
       <p:pic>
         <p:nvPicPr>
-          <p:cNvPr id="5" name="Picture 4" descr="Screen Shot 2016-04-19 at 10.52.57 AM.jpg"/>
+          <p:cNvPr id="3" name="Picture 2" descr="Screen Shot 2018-04-11 at 2.25.41 PM.jpg"/>
           <p:cNvPicPr>
             <a:picLocks noChangeAspect="1"/>
           </p:cNvPicPr>
           <p:nvPr/>
         </p:nvPicPr>
-        <p:blipFill>
+        <p:blipFill rotWithShape="1">
           <a:blip r:embed="rId3">
             <a:extLst>
               <a:ext uri="{28A0092B-C50C-407E-A947-70E740481C1C}">
@@ -5328,14 +5329,13 @@
               </a:ext>
             </a:extLst>
           </a:blip>
-          <a:stretch>
-            <a:fillRect/>
-          </a:stretch>
+          <a:srcRect l="231" r="-1"/>
+          <a:stretch/>
         </p:blipFill>
         <p:spPr>
           <a:xfrm>
-            <a:off x="1253439" y="1546243"/>
-            <a:ext cx="5773239" cy="5311757"/>
+            <a:off x="660400" y="1656685"/>
+            <a:ext cx="7299735" cy="5158231"/>
           </a:xfrm>
           <a:prstGeom prst="rect">
             <a:avLst/>
@@ -5386,7 +5386,7 @@
                                           </p:stCondLst>
                                         </p:cTn>
                                         <p:tgtEl>
-                                          <p:spTgt spid="5"/>
+                                          <p:spTgt spid="3"/>
                                         </p:tgtEl>
                                         <p:attrNameLst>
                                           <p:attrName>style.visibility</p:attrName>
@@ -5950,90 +5950,113 @@
         </p:nvSpPr>
         <p:spPr/>
         <p:txBody>
-          <a:bodyPr/>
+          <a:bodyPr>
+            <a:normAutofit fontScale="90000"/>
+          </a:bodyPr>
           <a:lstStyle/>
           <a:p>
             <a:r>
               <a:rPr lang="en-US" dirty="0" smtClean="0"/>
-              <a:t>General Testing Workflow</a:t>
+              <a:t>QQ Plot to Evaluate If Residuals are Normal</a:t>
             </a:r>
             <a:endParaRPr lang="en-US" dirty="0"/>
           </a:p>
         </p:txBody>
       </p:sp>
-      <p:sp>
-        <p:nvSpPr>
-          <p:cNvPr id="3" name="Content Placeholder 2"/>
-          <p:cNvSpPr>
-            <a:spLocks noGrp="1"/>
-          </p:cNvSpPr>
-          <p:nvPr>
-            <p:ph idx="1"/>
-          </p:nvPr>
-        </p:nvSpPr>
-        <p:spPr/>
-        <p:txBody>
-          <a:bodyPr/>
-          <a:lstStyle/>
-          <a:p>
-            <a:pPr marL="514350" indent="-514350">
-              <a:lnSpc>
-                <a:spcPct val="140000"/>
-              </a:lnSpc>
-              <a:buFont typeface="+mj-lt"/>
-              <a:buAutoNum type="arabicPeriod"/>
-            </a:pPr>
-            <a:r>
-              <a:rPr lang="en-US" dirty="0" smtClean="0"/>
-              <a:t>Build a Test</a:t>
-            </a:r>
-          </a:p>
-          <a:p>
-            <a:pPr marL="514350" indent="-514350">
-              <a:lnSpc>
-                <a:spcPct val="140000"/>
-              </a:lnSpc>
-              <a:buFont typeface="+mj-lt"/>
-              <a:buAutoNum type="arabicPeriod"/>
-            </a:pPr>
-            <a:r>
-              <a:rPr lang="en-US" dirty="0" smtClean="0"/>
-              <a:t>Evaluate Assumptions of Test</a:t>
-            </a:r>
-          </a:p>
-          <a:p>
-            <a:pPr marL="514350" indent="-514350">
-              <a:lnSpc>
-                <a:spcPct val="140000"/>
-              </a:lnSpc>
-              <a:buFont typeface="+mj-lt"/>
-              <a:buAutoNum type="arabicPeriod"/>
-            </a:pPr>
-            <a:r>
-              <a:rPr lang="en-US" dirty="0" smtClean="0"/>
-              <a:t>Evaluate Results</a:t>
-            </a:r>
-          </a:p>
-          <a:p>
-            <a:pPr marL="514350" indent="-514350">
-              <a:lnSpc>
-                <a:spcPct val="140000"/>
-              </a:lnSpc>
-              <a:buFont typeface="+mj-lt"/>
-              <a:buAutoNum type="arabicPeriod"/>
-            </a:pPr>
-            <a:r>
-              <a:rPr lang="en-US" dirty="0" smtClean="0"/>
-              <a:t>Visualize Results</a:t>
-            </a:r>
-            <a:endParaRPr lang="en-US" dirty="0"/>
-          </a:p>
-        </p:txBody>
-      </p:sp>
+      <p:pic>
+        <p:nvPicPr>
+          <p:cNvPr id="4" name="Picture 3" descr="Screen Shot 2016-04-19 at 10.55.55 AM.jpg"/>
+          <p:cNvPicPr>
+            <a:picLocks noChangeAspect="1"/>
+          </p:cNvPicPr>
+          <p:nvPr/>
+        </p:nvPicPr>
+        <p:blipFill>
+          <a:blip r:embed="rId2">
+            <a:extLst>
+              <a:ext uri="{28A0092B-C50C-407E-A947-70E740481C1C}">
+                <a14:useLocalDpi xmlns:a14="http://schemas.microsoft.com/office/drawing/2010/main" val="0"/>
+              </a:ext>
+            </a:extLst>
+          </a:blip>
+          <a:stretch>
+            <a:fillRect/>
+          </a:stretch>
+        </p:blipFill>
+        <p:spPr>
+          <a:xfrm>
+            <a:off x="1352877" y="1675222"/>
+            <a:ext cx="5629884" cy="5182778"/>
+          </a:xfrm>
+          <a:prstGeom prst="rect">
+            <a:avLst/>
+          </a:prstGeom>
+        </p:spPr>
+      </p:pic>
+      <p:pic>
+        <p:nvPicPr>
+          <p:cNvPr id="3" name="Picture 2" descr="7d987b5b6a385b21eca03383b7ce9e54.jpg"/>
+          <p:cNvPicPr>
+            <a:picLocks noChangeAspect="1"/>
+          </p:cNvPicPr>
+          <p:nvPr/>
+        </p:nvPicPr>
+        <p:blipFill>
+          <a:blip r:embed="rId3">
+            <a:extLst>
+              <a:ext uri="{28A0092B-C50C-407E-A947-70E740481C1C}">
+                <a14:useLocalDpi xmlns:a14="http://schemas.microsoft.com/office/drawing/2010/main" val="0"/>
+              </a:ext>
+            </a:extLst>
+          </a:blip>
+          <a:stretch>
+            <a:fillRect/>
+          </a:stretch>
+        </p:blipFill>
+        <p:spPr>
+          <a:xfrm>
+            <a:off x="6475438" y="3242365"/>
+            <a:ext cx="2668562" cy="3526735"/>
+          </a:xfrm>
+          <a:prstGeom prst="rect">
+            <a:avLst/>
+          </a:prstGeom>
+        </p:spPr>
+      </p:pic>
+      <p:pic>
+        <p:nvPicPr>
+          <p:cNvPr id="8" name="Picture 7" descr="Rage_demon_concept_art.jpg"/>
+          <p:cNvPicPr>
+            <a:picLocks noChangeAspect="1"/>
+          </p:cNvPicPr>
+          <p:nvPr/>
+        </p:nvPicPr>
+        <p:blipFill>
+          <a:blip r:embed="rId4">
+            <a:extLst>
+              <a:ext uri="{28A0092B-C50C-407E-A947-70E740481C1C}">
+                <a14:useLocalDpi xmlns:a14="http://schemas.microsoft.com/office/drawing/2010/main" val="0"/>
+              </a:ext>
+            </a:extLst>
+          </a:blip>
+          <a:stretch>
+            <a:fillRect/>
+          </a:stretch>
+        </p:blipFill>
+        <p:spPr>
+          <a:xfrm>
+            <a:off x="18124" y="935038"/>
+            <a:ext cx="2877475" cy="3562588"/>
+          </a:xfrm>
+          <a:prstGeom prst="rect">
+            <a:avLst/>
+          </a:prstGeom>
+        </p:spPr>
+      </p:pic>
     </p:spTree>
     <p:extLst>
       <p:ext uri="{BB962C8B-B14F-4D97-AF65-F5344CB8AC3E}">
-        <p14:creationId xmlns:p14="http://schemas.microsoft.com/office/powerpoint/2010/main" val="1971265234"/>
+        <p14:creationId xmlns:p14="http://schemas.microsoft.com/office/powerpoint/2010/main" val="2006109960"/>
       </p:ext>
     </p:extLst>
   </p:cSld>
@@ -6079,6 +6102,135 @@
         </p:nvSpPr>
         <p:spPr/>
         <p:txBody>
+          <a:bodyPr/>
+          <a:lstStyle/>
+          <a:p>
+            <a:r>
+              <a:rPr lang="en-US" dirty="0" smtClean="0"/>
+              <a:t>General Testing Workflow</a:t>
+            </a:r>
+            <a:endParaRPr lang="en-US" dirty="0"/>
+          </a:p>
+        </p:txBody>
+      </p:sp>
+      <p:sp>
+        <p:nvSpPr>
+          <p:cNvPr id="3" name="Content Placeholder 2"/>
+          <p:cNvSpPr>
+            <a:spLocks noGrp="1"/>
+          </p:cNvSpPr>
+          <p:nvPr>
+            <p:ph idx="1"/>
+          </p:nvPr>
+        </p:nvSpPr>
+        <p:spPr/>
+        <p:txBody>
+          <a:bodyPr/>
+          <a:lstStyle/>
+          <a:p>
+            <a:pPr marL="514350" indent="-514350">
+              <a:lnSpc>
+                <a:spcPct val="140000"/>
+              </a:lnSpc>
+              <a:buFont typeface="+mj-lt"/>
+              <a:buAutoNum type="arabicPeriod"/>
+            </a:pPr>
+            <a:r>
+              <a:rPr lang="en-US" dirty="0" smtClean="0"/>
+              <a:t>Build a Test</a:t>
+            </a:r>
+          </a:p>
+          <a:p>
+            <a:pPr marL="514350" indent="-514350">
+              <a:lnSpc>
+                <a:spcPct val="140000"/>
+              </a:lnSpc>
+              <a:buFont typeface="+mj-lt"/>
+              <a:buAutoNum type="arabicPeriod"/>
+            </a:pPr>
+            <a:r>
+              <a:rPr lang="en-US" dirty="0" smtClean="0"/>
+              <a:t>Evaluate Assumptions of Test</a:t>
+            </a:r>
+          </a:p>
+          <a:p>
+            <a:pPr marL="514350" indent="-514350">
+              <a:lnSpc>
+                <a:spcPct val="140000"/>
+              </a:lnSpc>
+              <a:buFont typeface="+mj-lt"/>
+              <a:buAutoNum type="arabicPeriod"/>
+            </a:pPr>
+            <a:r>
+              <a:rPr lang="en-US" dirty="0" smtClean="0"/>
+              <a:t>Evaluate Results</a:t>
+            </a:r>
+          </a:p>
+          <a:p>
+            <a:pPr marL="514350" indent="-514350">
+              <a:lnSpc>
+                <a:spcPct val="140000"/>
+              </a:lnSpc>
+              <a:buFont typeface="+mj-lt"/>
+              <a:buAutoNum type="arabicPeriod"/>
+            </a:pPr>
+            <a:r>
+              <a:rPr lang="en-US" dirty="0" smtClean="0"/>
+              <a:t>Visualize Results</a:t>
+            </a:r>
+            <a:endParaRPr lang="en-US" dirty="0"/>
+          </a:p>
+        </p:txBody>
+      </p:sp>
+    </p:spTree>
+    <p:extLst>
+      <p:ext uri="{BB962C8B-B14F-4D97-AF65-F5344CB8AC3E}">
+        <p14:creationId xmlns:p14="http://schemas.microsoft.com/office/powerpoint/2010/main" val="1971265234"/>
+      </p:ext>
+    </p:extLst>
+  </p:cSld>
+  <p:clrMapOvr>
+    <a:masterClrMapping/>
+  </p:clrMapOvr>
+  <p:timing>
+    <p:tnLst>
+      <p:par>
+        <p:cTn xmlns:p14="http://schemas.microsoft.com/office/powerpoint/2010/main" id="1" dur="indefinite" restart="never" nodeType="tmRoot"/>
+      </p:par>
+    </p:tnLst>
+  </p:timing>
+</p:sld>
+</file>
+
+<file path=ppt/slides/slide22.xml><?xml version="1.0" encoding="utf-8"?>
+<p:sld xmlns:a="http://schemas.openxmlformats.org/drawingml/2006/main" xmlns:r="http://schemas.openxmlformats.org/officeDocument/2006/relationships" xmlns:p="http://schemas.openxmlformats.org/presentationml/2006/main">
+  <p:cSld>
+    <p:spTree>
+      <p:nvGrpSpPr>
+        <p:cNvPr id="1" name=""/>
+        <p:cNvGrpSpPr/>
+        <p:nvPr/>
+      </p:nvGrpSpPr>
+      <p:grpSpPr>
+        <a:xfrm>
+          <a:off x="0" y="0"/>
+          <a:ext cx="0" cy="0"/>
+          <a:chOff x="0" y="0"/>
+          <a:chExt cx="0" cy="0"/>
+        </a:xfrm>
+      </p:grpSpPr>
+      <p:sp>
+        <p:nvSpPr>
+          <p:cNvPr id="2" name="Title 1"/>
+          <p:cNvSpPr>
+            <a:spLocks noGrp="1"/>
+          </p:cNvSpPr>
+          <p:nvPr>
+            <p:ph type="title"/>
+          </p:nvPr>
+        </p:nvSpPr>
+        <p:spPr/>
+        <p:txBody>
           <a:bodyPr>
             <a:normAutofit fontScale="90000"/>
           </a:bodyPr>
@@ -6128,7 +6280,7 @@
           <a:graphicData uri="http://schemas.openxmlformats.org/presentationml/2006/ole">
             <mc:AlternateContent xmlns:mc="http://schemas.openxmlformats.org/markup-compatibility/2006">
               <mc:Choice xmlns:v="urn:schemas-microsoft-com:vml" Requires="v">
-                <p:oleObj spid="_x0000_s3080" name="Equation" r:id="rId3" imgW="825500" imgH="444500" progId="Equation.3">
+                <p:oleObj spid="_x0000_s3082" name="Equation" r:id="rId3" imgW="825500" imgH="444500" progId="Equation.3">
                   <p:embed/>
                 </p:oleObj>
               </mc:Choice>
@@ -6412,7 +6564,7 @@
 </p:sld>
 </file>
 
-<file path=ppt/slides/slide22.xml><?xml version="1.0" encoding="utf-8"?>
+<file path=ppt/slides/slide23.xml><?xml version="1.0" encoding="utf-8"?>
 <p:sld xmlns:a="http://schemas.openxmlformats.org/drawingml/2006/main" xmlns:r="http://schemas.openxmlformats.org/officeDocument/2006/relationships" xmlns:p="http://schemas.openxmlformats.org/presentationml/2006/main">
   <p:cSld>
     <p:spTree>
@@ -7230,7 +7382,7 @@
           <a:graphicData uri="http://schemas.openxmlformats.org/presentationml/2006/ole">
             <mc:AlternateContent xmlns:mc="http://schemas.openxmlformats.org/markup-compatibility/2006">
               <mc:Choice xmlns:v="urn:schemas-microsoft-com:vml" Requires="v">
-                <p:oleObj spid="_x0000_s1032" name="Equation" r:id="rId3" imgW="673100" imgH="419100" progId="Equation.3">
+                <p:oleObj spid="_x0000_s1034" name="Equation" r:id="rId3" imgW="673100" imgH="419100" progId="Equation.3">
                   <p:embed/>
                 </p:oleObj>
               </mc:Choice>
